--- a/ppt 16-9/0568.光明之子.pptx
+++ b/ppt 16-9/0568.光明之子.pptx
@@ -5,7 +5,7 @@
     <p:sldMasterId id="2147483648" r:id="rId1"/>
   </p:sldMasterIdLst>
   <p:sldIdLst>
-    <p:sldId id="2325" r:id="rId2"/>
+    <p:sldId id="2327" r:id="rId2"/>
   </p:sldIdLst>
   <p:sldSz cx="12192000" cy="6858000"/>
   <p:notesSz cx="6858000" cy="9144000"/>
@@ -129,7 +129,7 @@
           <p:cNvPr id="2" name="标题 1">
             <a:extLst>
               <a:ext uri="{FF2B5EF4-FFF2-40B4-BE49-F238E27FC236}">
-                <a16:creationId xmlns:a16="http://schemas.microsoft.com/office/drawing/2014/main" id="{58B7F9F9-B05A-DDA2-5444-42FB3DA61522}"/>
+                <a16:creationId xmlns:a16="http://schemas.microsoft.com/office/drawing/2014/main" id="{F013D0FD-E078-C150-2DA5-77F4611370D6}"/>
               </a:ext>
             </a:extLst>
           </p:cNvPr>
@@ -166,7 +166,7 @@
           <p:cNvPr id="3" name="副标题 2">
             <a:extLst>
               <a:ext uri="{FF2B5EF4-FFF2-40B4-BE49-F238E27FC236}">
-                <a16:creationId xmlns:a16="http://schemas.microsoft.com/office/drawing/2014/main" id="{C9A39EBC-B39B-CAB7-DA09-49A96B373057}"/>
+                <a16:creationId xmlns:a16="http://schemas.microsoft.com/office/drawing/2014/main" id="{65635920-A5BE-9784-8349-BE41E31FD53B}"/>
               </a:ext>
             </a:extLst>
           </p:cNvPr>
@@ -236,7 +236,7 @@
           <p:cNvPr id="4" name="日期占位符 3">
             <a:extLst>
               <a:ext uri="{FF2B5EF4-FFF2-40B4-BE49-F238E27FC236}">
-                <a16:creationId xmlns:a16="http://schemas.microsoft.com/office/drawing/2014/main" id="{B891178B-7D15-837E-2B5F-9C9C2E3DE126}"/>
+                <a16:creationId xmlns:a16="http://schemas.microsoft.com/office/drawing/2014/main" id="{F3CDC9B7-B876-CA13-477A-1C10D0E06BF5}"/>
               </a:ext>
             </a:extLst>
           </p:cNvPr>
@@ -252,7 +252,7 @@
           <a:bodyPr/>
           <a:lstStyle/>
           <a:p>
-            <a:fld id="{EF66C828-475B-48E1-9D7D-DFF1B6A3556E}" type="datetimeFigureOut">
+            <a:fld id="{FF51D02D-32E8-4F34-8B32-4560E18DEA5D}" type="datetimeFigureOut">
               <a:rPr lang="zh-CN" altLang="en-US" smtClean="0"/>
               <a:t>2024/3/10</a:t>
             </a:fld>
@@ -265,7 +265,7 @@
           <p:cNvPr id="5" name="页脚占位符 4">
             <a:extLst>
               <a:ext uri="{FF2B5EF4-FFF2-40B4-BE49-F238E27FC236}">
-                <a16:creationId xmlns:a16="http://schemas.microsoft.com/office/drawing/2014/main" id="{2F32F148-4DB2-D317-86F5-849EB5DCE2AF}"/>
+                <a16:creationId xmlns:a16="http://schemas.microsoft.com/office/drawing/2014/main" id="{EF9D4CFE-B9AC-1580-D334-399C697073FF}"/>
               </a:ext>
             </a:extLst>
           </p:cNvPr>
@@ -290,7 +290,7 @@
           <p:cNvPr id="6" name="灯片编号占位符 5">
             <a:extLst>
               <a:ext uri="{FF2B5EF4-FFF2-40B4-BE49-F238E27FC236}">
-                <a16:creationId xmlns:a16="http://schemas.microsoft.com/office/drawing/2014/main" id="{5F61E396-1302-7D3C-C934-E89E31A6A0A6}"/>
+                <a16:creationId xmlns:a16="http://schemas.microsoft.com/office/drawing/2014/main" id="{A399EF0F-7462-2201-49E9-1C8601EACC02}"/>
               </a:ext>
             </a:extLst>
           </p:cNvPr>
@@ -306,7 +306,7 @@
           <a:bodyPr/>
           <a:lstStyle/>
           <a:p>
-            <a:fld id="{B1A12970-5664-4332-9371-46EA8D43CFCD}" type="slidenum">
+            <a:fld id="{6CC7996D-5A9A-49B4-8013-FD1239A739BF}" type="slidenum">
               <a:rPr lang="zh-CN" altLang="en-US" smtClean="0"/>
               <a:t>‹#›</a:t>
             </a:fld>
@@ -317,7 +317,7 @@
     </p:spTree>
     <p:extLst>
       <p:ext uri="{BB962C8B-B14F-4D97-AF65-F5344CB8AC3E}">
-        <p14:creationId xmlns:p14="http://schemas.microsoft.com/office/powerpoint/2010/main" val="1094041156"/>
+        <p14:creationId xmlns:p14="http://schemas.microsoft.com/office/powerpoint/2010/main" val="2965965919"/>
       </p:ext>
     </p:extLst>
   </p:cSld>
@@ -349,7 +349,7 @@
           <p:cNvPr id="2" name="标题 1">
             <a:extLst>
               <a:ext uri="{FF2B5EF4-FFF2-40B4-BE49-F238E27FC236}">
-                <a16:creationId xmlns:a16="http://schemas.microsoft.com/office/drawing/2014/main" id="{97B6D732-03DA-638D-EFCD-BCD481CC8758}"/>
+                <a16:creationId xmlns:a16="http://schemas.microsoft.com/office/drawing/2014/main" id="{4B77DBD4-BBF6-0BDC-9BF1-69993FAD5C6A}"/>
               </a:ext>
             </a:extLst>
           </p:cNvPr>
@@ -377,7 +377,7 @@
           <p:cNvPr id="3" name="竖排文字占位符 2">
             <a:extLst>
               <a:ext uri="{FF2B5EF4-FFF2-40B4-BE49-F238E27FC236}">
-                <a16:creationId xmlns:a16="http://schemas.microsoft.com/office/drawing/2014/main" id="{A9553478-10DE-657A-6B96-A07E2276C21D}"/>
+                <a16:creationId xmlns:a16="http://schemas.microsoft.com/office/drawing/2014/main" id="{229E8684-EC12-2EFE-0657-A501A24B9E6F}"/>
               </a:ext>
             </a:extLst>
           </p:cNvPr>
@@ -434,7 +434,7 @@
           <p:cNvPr id="4" name="日期占位符 3">
             <a:extLst>
               <a:ext uri="{FF2B5EF4-FFF2-40B4-BE49-F238E27FC236}">
-                <a16:creationId xmlns:a16="http://schemas.microsoft.com/office/drawing/2014/main" id="{04447CFA-E936-60AB-0119-38D59FFD590A}"/>
+                <a16:creationId xmlns:a16="http://schemas.microsoft.com/office/drawing/2014/main" id="{46200917-9346-170B-1F5F-DACD81BA7E56}"/>
               </a:ext>
             </a:extLst>
           </p:cNvPr>
@@ -450,7 +450,7 @@
           <a:bodyPr/>
           <a:lstStyle/>
           <a:p>
-            <a:fld id="{EF66C828-475B-48E1-9D7D-DFF1B6A3556E}" type="datetimeFigureOut">
+            <a:fld id="{FF51D02D-32E8-4F34-8B32-4560E18DEA5D}" type="datetimeFigureOut">
               <a:rPr lang="zh-CN" altLang="en-US" smtClean="0"/>
               <a:t>2024/3/10</a:t>
             </a:fld>
@@ -463,7 +463,7 @@
           <p:cNvPr id="5" name="页脚占位符 4">
             <a:extLst>
               <a:ext uri="{FF2B5EF4-FFF2-40B4-BE49-F238E27FC236}">
-                <a16:creationId xmlns:a16="http://schemas.microsoft.com/office/drawing/2014/main" id="{A6C45DD8-AD01-5A8D-E15F-CDF715E1B9F6}"/>
+                <a16:creationId xmlns:a16="http://schemas.microsoft.com/office/drawing/2014/main" id="{FFA6B1AC-9D6B-FD92-35E2-480297E58BA4}"/>
               </a:ext>
             </a:extLst>
           </p:cNvPr>
@@ -488,7 +488,7 @@
           <p:cNvPr id="6" name="灯片编号占位符 5">
             <a:extLst>
               <a:ext uri="{FF2B5EF4-FFF2-40B4-BE49-F238E27FC236}">
-                <a16:creationId xmlns:a16="http://schemas.microsoft.com/office/drawing/2014/main" id="{C868EB68-FB76-9467-AD46-609D23D4350E}"/>
+                <a16:creationId xmlns:a16="http://schemas.microsoft.com/office/drawing/2014/main" id="{9F974387-0B52-3162-B207-64C784AD2D27}"/>
               </a:ext>
             </a:extLst>
           </p:cNvPr>
@@ -504,7 +504,7 @@
           <a:bodyPr/>
           <a:lstStyle/>
           <a:p>
-            <a:fld id="{B1A12970-5664-4332-9371-46EA8D43CFCD}" type="slidenum">
+            <a:fld id="{6CC7996D-5A9A-49B4-8013-FD1239A739BF}" type="slidenum">
               <a:rPr lang="zh-CN" altLang="en-US" smtClean="0"/>
               <a:t>‹#›</a:t>
             </a:fld>
@@ -515,7 +515,7 @@
     </p:spTree>
     <p:extLst>
       <p:ext uri="{BB962C8B-B14F-4D97-AF65-F5344CB8AC3E}">
-        <p14:creationId xmlns:p14="http://schemas.microsoft.com/office/powerpoint/2010/main" val="4211909537"/>
+        <p14:creationId xmlns:p14="http://schemas.microsoft.com/office/powerpoint/2010/main" val="95164133"/>
       </p:ext>
     </p:extLst>
   </p:cSld>
@@ -547,7 +547,7 @@
           <p:cNvPr id="2" name="竖排标题 1">
             <a:extLst>
               <a:ext uri="{FF2B5EF4-FFF2-40B4-BE49-F238E27FC236}">
-                <a16:creationId xmlns:a16="http://schemas.microsoft.com/office/drawing/2014/main" id="{A7F3212D-5719-A835-9197-FF5C3F2BEAC3}"/>
+                <a16:creationId xmlns:a16="http://schemas.microsoft.com/office/drawing/2014/main" id="{310EA3F0-9D09-CE25-EC79-66F7DB481ACF}"/>
               </a:ext>
             </a:extLst>
           </p:cNvPr>
@@ -580,7 +580,7 @@
           <p:cNvPr id="3" name="竖排文字占位符 2">
             <a:extLst>
               <a:ext uri="{FF2B5EF4-FFF2-40B4-BE49-F238E27FC236}">
-                <a16:creationId xmlns:a16="http://schemas.microsoft.com/office/drawing/2014/main" id="{FBCD307B-55D5-3A99-2D4C-A6A6EF13A8AC}"/>
+                <a16:creationId xmlns:a16="http://schemas.microsoft.com/office/drawing/2014/main" id="{58F13347-E156-02F1-3FB2-F263433BD024}"/>
               </a:ext>
             </a:extLst>
           </p:cNvPr>
@@ -642,7 +642,7 @@
           <p:cNvPr id="4" name="日期占位符 3">
             <a:extLst>
               <a:ext uri="{FF2B5EF4-FFF2-40B4-BE49-F238E27FC236}">
-                <a16:creationId xmlns:a16="http://schemas.microsoft.com/office/drawing/2014/main" id="{37D5ABFF-C34B-9735-E72A-81CFD28DA2AB}"/>
+                <a16:creationId xmlns:a16="http://schemas.microsoft.com/office/drawing/2014/main" id="{A28822CE-5DB3-4E37-76F3-04B41B344D23}"/>
               </a:ext>
             </a:extLst>
           </p:cNvPr>
@@ -658,7 +658,7 @@
           <a:bodyPr/>
           <a:lstStyle/>
           <a:p>
-            <a:fld id="{EF66C828-475B-48E1-9D7D-DFF1B6A3556E}" type="datetimeFigureOut">
+            <a:fld id="{FF51D02D-32E8-4F34-8B32-4560E18DEA5D}" type="datetimeFigureOut">
               <a:rPr lang="zh-CN" altLang="en-US" smtClean="0"/>
               <a:t>2024/3/10</a:t>
             </a:fld>
@@ -671,7 +671,7 @@
           <p:cNvPr id="5" name="页脚占位符 4">
             <a:extLst>
               <a:ext uri="{FF2B5EF4-FFF2-40B4-BE49-F238E27FC236}">
-                <a16:creationId xmlns:a16="http://schemas.microsoft.com/office/drawing/2014/main" id="{486ADFD1-6CC3-B956-C00C-AC1BF5346BAD}"/>
+                <a16:creationId xmlns:a16="http://schemas.microsoft.com/office/drawing/2014/main" id="{36266968-D85A-0189-6D86-6478A34FC3BE}"/>
               </a:ext>
             </a:extLst>
           </p:cNvPr>
@@ -696,7 +696,7 @@
           <p:cNvPr id="6" name="灯片编号占位符 5">
             <a:extLst>
               <a:ext uri="{FF2B5EF4-FFF2-40B4-BE49-F238E27FC236}">
-                <a16:creationId xmlns:a16="http://schemas.microsoft.com/office/drawing/2014/main" id="{9AAF99F3-9C71-A989-EF4B-41F765D4AD17}"/>
+                <a16:creationId xmlns:a16="http://schemas.microsoft.com/office/drawing/2014/main" id="{268C1BF0-1D63-A34F-86B9-180990FCEA2B}"/>
               </a:ext>
             </a:extLst>
           </p:cNvPr>
@@ -712,7 +712,7 @@
           <a:bodyPr/>
           <a:lstStyle/>
           <a:p>
-            <a:fld id="{B1A12970-5664-4332-9371-46EA8D43CFCD}" type="slidenum">
+            <a:fld id="{6CC7996D-5A9A-49B4-8013-FD1239A739BF}" type="slidenum">
               <a:rPr lang="zh-CN" altLang="en-US" smtClean="0"/>
               <a:t>‹#›</a:t>
             </a:fld>
@@ -723,7 +723,7 @@
     </p:spTree>
     <p:extLst>
       <p:ext uri="{BB962C8B-B14F-4D97-AF65-F5344CB8AC3E}">
-        <p14:creationId xmlns:p14="http://schemas.microsoft.com/office/powerpoint/2010/main" val="3940445298"/>
+        <p14:creationId xmlns:p14="http://schemas.microsoft.com/office/powerpoint/2010/main" val="1241693264"/>
       </p:ext>
     </p:extLst>
   </p:cSld>
@@ -755,7 +755,7 @@
           <p:cNvPr id="2" name="标题 1">
             <a:extLst>
               <a:ext uri="{FF2B5EF4-FFF2-40B4-BE49-F238E27FC236}">
-                <a16:creationId xmlns:a16="http://schemas.microsoft.com/office/drawing/2014/main" id="{481012A8-95FC-0C9D-1DF6-F0CE2C4C247F}"/>
+                <a16:creationId xmlns:a16="http://schemas.microsoft.com/office/drawing/2014/main" id="{9AD22AF9-17E0-8ACF-78DC-873F2225AC61}"/>
               </a:ext>
             </a:extLst>
           </p:cNvPr>
@@ -783,7 +783,7 @@
           <p:cNvPr id="3" name="内容占位符 2">
             <a:extLst>
               <a:ext uri="{FF2B5EF4-FFF2-40B4-BE49-F238E27FC236}">
-                <a16:creationId xmlns:a16="http://schemas.microsoft.com/office/drawing/2014/main" id="{BB6727C0-4D62-355E-8CF2-BF518943C423}"/>
+                <a16:creationId xmlns:a16="http://schemas.microsoft.com/office/drawing/2014/main" id="{BACB5EE1-6008-F914-4702-D06210D9A273}"/>
               </a:ext>
             </a:extLst>
           </p:cNvPr>
@@ -840,7 +840,7 @@
           <p:cNvPr id="4" name="日期占位符 3">
             <a:extLst>
               <a:ext uri="{FF2B5EF4-FFF2-40B4-BE49-F238E27FC236}">
-                <a16:creationId xmlns:a16="http://schemas.microsoft.com/office/drawing/2014/main" id="{DB367803-F273-BF98-CC5C-DA3C9E8B65EF}"/>
+                <a16:creationId xmlns:a16="http://schemas.microsoft.com/office/drawing/2014/main" id="{6AD185A8-0E45-F303-990E-433FE71075C8}"/>
               </a:ext>
             </a:extLst>
           </p:cNvPr>
@@ -856,7 +856,7 @@
           <a:bodyPr/>
           <a:lstStyle/>
           <a:p>
-            <a:fld id="{EF66C828-475B-48E1-9D7D-DFF1B6A3556E}" type="datetimeFigureOut">
+            <a:fld id="{FF51D02D-32E8-4F34-8B32-4560E18DEA5D}" type="datetimeFigureOut">
               <a:rPr lang="zh-CN" altLang="en-US" smtClean="0"/>
               <a:t>2024/3/10</a:t>
             </a:fld>
@@ -869,7 +869,7 @@
           <p:cNvPr id="5" name="页脚占位符 4">
             <a:extLst>
               <a:ext uri="{FF2B5EF4-FFF2-40B4-BE49-F238E27FC236}">
-                <a16:creationId xmlns:a16="http://schemas.microsoft.com/office/drawing/2014/main" id="{D7089D1C-04C5-BCF4-7F71-751D6340A9DC}"/>
+                <a16:creationId xmlns:a16="http://schemas.microsoft.com/office/drawing/2014/main" id="{7AE78D9E-D501-E282-3BAF-1F66ACC6AEFE}"/>
               </a:ext>
             </a:extLst>
           </p:cNvPr>
@@ -894,7 +894,7 @@
           <p:cNvPr id="6" name="灯片编号占位符 5">
             <a:extLst>
               <a:ext uri="{FF2B5EF4-FFF2-40B4-BE49-F238E27FC236}">
-                <a16:creationId xmlns:a16="http://schemas.microsoft.com/office/drawing/2014/main" id="{35D3A873-7D22-4611-7692-4A7C420F1CC4}"/>
+                <a16:creationId xmlns:a16="http://schemas.microsoft.com/office/drawing/2014/main" id="{BE1705D4-B2CA-56FD-D0AC-1040A7E537C6}"/>
               </a:ext>
             </a:extLst>
           </p:cNvPr>
@@ -910,7 +910,7 @@
           <a:bodyPr/>
           <a:lstStyle/>
           <a:p>
-            <a:fld id="{B1A12970-5664-4332-9371-46EA8D43CFCD}" type="slidenum">
+            <a:fld id="{6CC7996D-5A9A-49B4-8013-FD1239A739BF}" type="slidenum">
               <a:rPr lang="zh-CN" altLang="en-US" smtClean="0"/>
               <a:t>‹#›</a:t>
             </a:fld>
@@ -921,7 +921,7 @@
     </p:spTree>
     <p:extLst>
       <p:ext uri="{BB962C8B-B14F-4D97-AF65-F5344CB8AC3E}">
-        <p14:creationId xmlns:p14="http://schemas.microsoft.com/office/powerpoint/2010/main" val="407263978"/>
+        <p14:creationId xmlns:p14="http://schemas.microsoft.com/office/powerpoint/2010/main" val="2638991186"/>
       </p:ext>
     </p:extLst>
   </p:cSld>
@@ -953,7 +953,7 @@
           <p:cNvPr id="2" name="标题 1">
             <a:extLst>
               <a:ext uri="{FF2B5EF4-FFF2-40B4-BE49-F238E27FC236}">
-                <a16:creationId xmlns:a16="http://schemas.microsoft.com/office/drawing/2014/main" id="{4848683C-7839-A80A-0E91-6E6DDE45ED4D}"/>
+                <a16:creationId xmlns:a16="http://schemas.microsoft.com/office/drawing/2014/main" id="{C63DA56C-16A6-E67A-9C41-8C5381BAF078}"/>
               </a:ext>
             </a:extLst>
           </p:cNvPr>
@@ -990,7 +990,7 @@
           <p:cNvPr id="3" name="文本占位符 2">
             <a:extLst>
               <a:ext uri="{FF2B5EF4-FFF2-40B4-BE49-F238E27FC236}">
-                <a16:creationId xmlns:a16="http://schemas.microsoft.com/office/drawing/2014/main" id="{253A20BF-6D6C-8D73-E122-5099E8D3AA1A}"/>
+                <a16:creationId xmlns:a16="http://schemas.microsoft.com/office/drawing/2014/main" id="{D8738B87-C4E8-B86A-136E-37274929223E}"/>
               </a:ext>
             </a:extLst>
           </p:cNvPr>
@@ -1115,7 +1115,7 @@
           <p:cNvPr id="4" name="日期占位符 3">
             <a:extLst>
               <a:ext uri="{FF2B5EF4-FFF2-40B4-BE49-F238E27FC236}">
-                <a16:creationId xmlns:a16="http://schemas.microsoft.com/office/drawing/2014/main" id="{4D22D972-67D5-6EA1-7F25-97524D7F63AC}"/>
+                <a16:creationId xmlns:a16="http://schemas.microsoft.com/office/drawing/2014/main" id="{0F9BCF33-E1DA-7C8C-AE1C-86DC3CB4DEE5}"/>
               </a:ext>
             </a:extLst>
           </p:cNvPr>
@@ -1131,7 +1131,7 @@
           <a:bodyPr/>
           <a:lstStyle/>
           <a:p>
-            <a:fld id="{EF66C828-475B-48E1-9D7D-DFF1B6A3556E}" type="datetimeFigureOut">
+            <a:fld id="{FF51D02D-32E8-4F34-8B32-4560E18DEA5D}" type="datetimeFigureOut">
               <a:rPr lang="zh-CN" altLang="en-US" smtClean="0"/>
               <a:t>2024/3/10</a:t>
             </a:fld>
@@ -1144,7 +1144,7 @@
           <p:cNvPr id="5" name="页脚占位符 4">
             <a:extLst>
               <a:ext uri="{FF2B5EF4-FFF2-40B4-BE49-F238E27FC236}">
-                <a16:creationId xmlns:a16="http://schemas.microsoft.com/office/drawing/2014/main" id="{05BAB338-C011-EF02-5406-8C4DE594B515}"/>
+                <a16:creationId xmlns:a16="http://schemas.microsoft.com/office/drawing/2014/main" id="{6ED2DAF0-8A16-0D35-3000-B72AE1B4426C}"/>
               </a:ext>
             </a:extLst>
           </p:cNvPr>
@@ -1169,7 +1169,7 @@
           <p:cNvPr id="6" name="灯片编号占位符 5">
             <a:extLst>
               <a:ext uri="{FF2B5EF4-FFF2-40B4-BE49-F238E27FC236}">
-                <a16:creationId xmlns:a16="http://schemas.microsoft.com/office/drawing/2014/main" id="{E5AD88D4-A296-3F31-0A26-DF7200915922}"/>
+                <a16:creationId xmlns:a16="http://schemas.microsoft.com/office/drawing/2014/main" id="{A04CC360-4B29-87AD-71C4-F278A2650AF8}"/>
               </a:ext>
             </a:extLst>
           </p:cNvPr>
@@ -1185,7 +1185,7 @@
           <a:bodyPr/>
           <a:lstStyle/>
           <a:p>
-            <a:fld id="{B1A12970-5664-4332-9371-46EA8D43CFCD}" type="slidenum">
+            <a:fld id="{6CC7996D-5A9A-49B4-8013-FD1239A739BF}" type="slidenum">
               <a:rPr lang="zh-CN" altLang="en-US" smtClean="0"/>
               <a:t>‹#›</a:t>
             </a:fld>
@@ -1196,7 +1196,7 @@
     </p:spTree>
     <p:extLst>
       <p:ext uri="{BB962C8B-B14F-4D97-AF65-F5344CB8AC3E}">
-        <p14:creationId xmlns:p14="http://schemas.microsoft.com/office/powerpoint/2010/main" val="3850089265"/>
+        <p14:creationId xmlns:p14="http://schemas.microsoft.com/office/powerpoint/2010/main" val="3474655905"/>
       </p:ext>
     </p:extLst>
   </p:cSld>
@@ -1228,7 +1228,7 @@
           <p:cNvPr id="2" name="标题 1">
             <a:extLst>
               <a:ext uri="{FF2B5EF4-FFF2-40B4-BE49-F238E27FC236}">
-                <a16:creationId xmlns:a16="http://schemas.microsoft.com/office/drawing/2014/main" id="{4AA96BF2-EADE-5E2A-3920-37F509B8ECEB}"/>
+                <a16:creationId xmlns:a16="http://schemas.microsoft.com/office/drawing/2014/main" id="{8AE4C672-D4FD-9AA2-AE1E-66FCD8F045DA}"/>
               </a:ext>
             </a:extLst>
           </p:cNvPr>
@@ -1256,7 +1256,7 @@
           <p:cNvPr id="3" name="内容占位符 2">
             <a:extLst>
               <a:ext uri="{FF2B5EF4-FFF2-40B4-BE49-F238E27FC236}">
-                <a16:creationId xmlns:a16="http://schemas.microsoft.com/office/drawing/2014/main" id="{32991CD0-8949-C6EF-0D7F-1359E3D1F8F2}"/>
+                <a16:creationId xmlns:a16="http://schemas.microsoft.com/office/drawing/2014/main" id="{8298336F-907D-546D-50F6-3ED5CF6905CB}"/>
               </a:ext>
             </a:extLst>
           </p:cNvPr>
@@ -1318,7 +1318,7 @@
           <p:cNvPr id="4" name="内容占位符 3">
             <a:extLst>
               <a:ext uri="{FF2B5EF4-FFF2-40B4-BE49-F238E27FC236}">
-                <a16:creationId xmlns:a16="http://schemas.microsoft.com/office/drawing/2014/main" id="{E1EB1F25-FA11-7424-90FB-2C50981D4B54}"/>
+                <a16:creationId xmlns:a16="http://schemas.microsoft.com/office/drawing/2014/main" id="{414E3C16-F5B1-AB99-8932-30E2F8271B1A}"/>
               </a:ext>
             </a:extLst>
           </p:cNvPr>
@@ -1380,7 +1380,7 @@
           <p:cNvPr id="5" name="日期占位符 4">
             <a:extLst>
               <a:ext uri="{FF2B5EF4-FFF2-40B4-BE49-F238E27FC236}">
-                <a16:creationId xmlns:a16="http://schemas.microsoft.com/office/drawing/2014/main" id="{2223B15A-ED46-632B-664D-CBE5496F0B5A}"/>
+                <a16:creationId xmlns:a16="http://schemas.microsoft.com/office/drawing/2014/main" id="{AAC775B2-A7F4-6170-8134-75583329E26A}"/>
               </a:ext>
             </a:extLst>
           </p:cNvPr>
@@ -1396,7 +1396,7 @@
           <a:bodyPr/>
           <a:lstStyle/>
           <a:p>
-            <a:fld id="{EF66C828-475B-48E1-9D7D-DFF1B6A3556E}" type="datetimeFigureOut">
+            <a:fld id="{FF51D02D-32E8-4F34-8B32-4560E18DEA5D}" type="datetimeFigureOut">
               <a:rPr lang="zh-CN" altLang="en-US" smtClean="0"/>
               <a:t>2024/3/10</a:t>
             </a:fld>
@@ -1409,7 +1409,7 @@
           <p:cNvPr id="6" name="页脚占位符 5">
             <a:extLst>
               <a:ext uri="{FF2B5EF4-FFF2-40B4-BE49-F238E27FC236}">
-                <a16:creationId xmlns:a16="http://schemas.microsoft.com/office/drawing/2014/main" id="{BD6301EE-D111-C63F-A90C-CD8A7CB6E180}"/>
+                <a16:creationId xmlns:a16="http://schemas.microsoft.com/office/drawing/2014/main" id="{3CAAD20F-E514-9293-136C-949E49CAF1D9}"/>
               </a:ext>
             </a:extLst>
           </p:cNvPr>
@@ -1434,7 +1434,7 @@
           <p:cNvPr id="7" name="灯片编号占位符 6">
             <a:extLst>
               <a:ext uri="{FF2B5EF4-FFF2-40B4-BE49-F238E27FC236}">
-                <a16:creationId xmlns:a16="http://schemas.microsoft.com/office/drawing/2014/main" id="{6AC91174-5AF9-5450-31D0-B4EE2E3D1082}"/>
+                <a16:creationId xmlns:a16="http://schemas.microsoft.com/office/drawing/2014/main" id="{79203C73-0B8E-5B97-B296-59A07D4A53CB}"/>
               </a:ext>
             </a:extLst>
           </p:cNvPr>
@@ -1450,7 +1450,7 @@
           <a:bodyPr/>
           <a:lstStyle/>
           <a:p>
-            <a:fld id="{B1A12970-5664-4332-9371-46EA8D43CFCD}" type="slidenum">
+            <a:fld id="{6CC7996D-5A9A-49B4-8013-FD1239A739BF}" type="slidenum">
               <a:rPr lang="zh-CN" altLang="en-US" smtClean="0"/>
               <a:t>‹#›</a:t>
             </a:fld>
@@ -1461,7 +1461,7 @@
     </p:spTree>
     <p:extLst>
       <p:ext uri="{BB962C8B-B14F-4D97-AF65-F5344CB8AC3E}">
-        <p14:creationId xmlns:p14="http://schemas.microsoft.com/office/powerpoint/2010/main" val="3008954990"/>
+        <p14:creationId xmlns:p14="http://schemas.microsoft.com/office/powerpoint/2010/main" val="3605579431"/>
       </p:ext>
     </p:extLst>
   </p:cSld>
@@ -1493,7 +1493,7 @@
           <p:cNvPr id="2" name="标题 1">
             <a:extLst>
               <a:ext uri="{FF2B5EF4-FFF2-40B4-BE49-F238E27FC236}">
-                <a16:creationId xmlns:a16="http://schemas.microsoft.com/office/drawing/2014/main" id="{22F15A1F-76D0-EF5C-8D8B-BDC7A98AD025}"/>
+                <a16:creationId xmlns:a16="http://schemas.microsoft.com/office/drawing/2014/main" id="{CDD0618A-E921-6DC6-F978-387827CB1E53}"/>
               </a:ext>
             </a:extLst>
           </p:cNvPr>
@@ -1526,7 +1526,7 @@
           <p:cNvPr id="3" name="文本占位符 2">
             <a:extLst>
               <a:ext uri="{FF2B5EF4-FFF2-40B4-BE49-F238E27FC236}">
-                <a16:creationId xmlns:a16="http://schemas.microsoft.com/office/drawing/2014/main" id="{C0B5548E-872D-0306-366F-046F655A4B3A}"/>
+                <a16:creationId xmlns:a16="http://schemas.microsoft.com/office/drawing/2014/main" id="{DB2ED937-4742-8849-CB91-24725019409E}"/>
               </a:ext>
             </a:extLst>
           </p:cNvPr>
@@ -1597,7 +1597,7 @@
           <p:cNvPr id="4" name="内容占位符 3">
             <a:extLst>
               <a:ext uri="{FF2B5EF4-FFF2-40B4-BE49-F238E27FC236}">
-                <a16:creationId xmlns:a16="http://schemas.microsoft.com/office/drawing/2014/main" id="{808F7AF7-DF99-8DE3-F21D-A421404C90AB}"/>
+                <a16:creationId xmlns:a16="http://schemas.microsoft.com/office/drawing/2014/main" id="{CEB6309D-6805-3667-7CFA-D60AE4732067}"/>
               </a:ext>
             </a:extLst>
           </p:cNvPr>
@@ -1659,7 +1659,7 @@
           <p:cNvPr id="5" name="文本占位符 4">
             <a:extLst>
               <a:ext uri="{FF2B5EF4-FFF2-40B4-BE49-F238E27FC236}">
-                <a16:creationId xmlns:a16="http://schemas.microsoft.com/office/drawing/2014/main" id="{F062D107-499C-4A21-EB2F-D6549D5FA8F0}"/>
+                <a16:creationId xmlns:a16="http://schemas.microsoft.com/office/drawing/2014/main" id="{AE337977-63CE-D837-AC5D-22765976AD0D}"/>
               </a:ext>
             </a:extLst>
           </p:cNvPr>
@@ -1730,7 +1730,7 @@
           <p:cNvPr id="6" name="内容占位符 5">
             <a:extLst>
               <a:ext uri="{FF2B5EF4-FFF2-40B4-BE49-F238E27FC236}">
-                <a16:creationId xmlns:a16="http://schemas.microsoft.com/office/drawing/2014/main" id="{9D938031-3E03-F93D-6311-59AEB63F31E9}"/>
+                <a16:creationId xmlns:a16="http://schemas.microsoft.com/office/drawing/2014/main" id="{59FB2B1C-864B-D31B-DF34-C16401D469AF}"/>
               </a:ext>
             </a:extLst>
           </p:cNvPr>
@@ -1792,7 +1792,7 @@
           <p:cNvPr id="7" name="日期占位符 6">
             <a:extLst>
               <a:ext uri="{FF2B5EF4-FFF2-40B4-BE49-F238E27FC236}">
-                <a16:creationId xmlns:a16="http://schemas.microsoft.com/office/drawing/2014/main" id="{A76FEA4C-5F02-72A3-FD5C-A5903B548C0F}"/>
+                <a16:creationId xmlns:a16="http://schemas.microsoft.com/office/drawing/2014/main" id="{8E838B54-2711-65DF-4260-0CD9DE178428}"/>
               </a:ext>
             </a:extLst>
           </p:cNvPr>
@@ -1808,7 +1808,7 @@
           <a:bodyPr/>
           <a:lstStyle/>
           <a:p>
-            <a:fld id="{EF66C828-475B-48E1-9D7D-DFF1B6A3556E}" type="datetimeFigureOut">
+            <a:fld id="{FF51D02D-32E8-4F34-8B32-4560E18DEA5D}" type="datetimeFigureOut">
               <a:rPr lang="zh-CN" altLang="en-US" smtClean="0"/>
               <a:t>2024/3/10</a:t>
             </a:fld>
@@ -1821,7 +1821,7 @@
           <p:cNvPr id="8" name="页脚占位符 7">
             <a:extLst>
               <a:ext uri="{FF2B5EF4-FFF2-40B4-BE49-F238E27FC236}">
-                <a16:creationId xmlns:a16="http://schemas.microsoft.com/office/drawing/2014/main" id="{E9E931F6-7236-71EB-F5BC-015F0C66EDE8}"/>
+                <a16:creationId xmlns:a16="http://schemas.microsoft.com/office/drawing/2014/main" id="{12172CDE-C2F4-01D6-F16E-A833916AC3D5}"/>
               </a:ext>
             </a:extLst>
           </p:cNvPr>
@@ -1846,7 +1846,7 @@
           <p:cNvPr id="9" name="灯片编号占位符 8">
             <a:extLst>
               <a:ext uri="{FF2B5EF4-FFF2-40B4-BE49-F238E27FC236}">
-                <a16:creationId xmlns:a16="http://schemas.microsoft.com/office/drawing/2014/main" id="{DAD56223-CD8F-00CD-CBCC-D54F8A9C8892}"/>
+                <a16:creationId xmlns:a16="http://schemas.microsoft.com/office/drawing/2014/main" id="{87A12F87-DA95-110A-8B90-3C91F451FD84}"/>
               </a:ext>
             </a:extLst>
           </p:cNvPr>
@@ -1862,7 +1862,7 @@
           <a:bodyPr/>
           <a:lstStyle/>
           <a:p>
-            <a:fld id="{B1A12970-5664-4332-9371-46EA8D43CFCD}" type="slidenum">
+            <a:fld id="{6CC7996D-5A9A-49B4-8013-FD1239A739BF}" type="slidenum">
               <a:rPr lang="zh-CN" altLang="en-US" smtClean="0"/>
               <a:t>‹#›</a:t>
             </a:fld>
@@ -1873,7 +1873,7 @@
     </p:spTree>
     <p:extLst>
       <p:ext uri="{BB962C8B-B14F-4D97-AF65-F5344CB8AC3E}">
-        <p14:creationId xmlns:p14="http://schemas.microsoft.com/office/powerpoint/2010/main" val="4271828684"/>
+        <p14:creationId xmlns:p14="http://schemas.microsoft.com/office/powerpoint/2010/main" val="2939186871"/>
       </p:ext>
     </p:extLst>
   </p:cSld>
@@ -1905,7 +1905,7 @@
           <p:cNvPr id="2" name="标题 1">
             <a:extLst>
               <a:ext uri="{FF2B5EF4-FFF2-40B4-BE49-F238E27FC236}">
-                <a16:creationId xmlns:a16="http://schemas.microsoft.com/office/drawing/2014/main" id="{1532F9DC-8240-350C-BBA3-250DD20412EA}"/>
+                <a16:creationId xmlns:a16="http://schemas.microsoft.com/office/drawing/2014/main" id="{C71BFB86-AD11-7141-CCEB-1F41F270C892}"/>
               </a:ext>
             </a:extLst>
           </p:cNvPr>
@@ -1933,7 +1933,7 @@
           <p:cNvPr id="3" name="日期占位符 2">
             <a:extLst>
               <a:ext uri="{FF2B5EF4-FFF2-40B4-BE49-F238E27FC236}">
-                <a16:creationId xmlns:a16="http://schemas.microsoft.com/office/drawing/2014/main" id="{C5B2A082-6F67-DAA0-DA62-F069AB2DF922}"/>
+                <a16:creationId xmlns:a16="http://schemas.microsoft.com/office/drawing/2014/main" id="{3DCAE41C-135C-05C4-3C59-7FEC80F41F33}"/>
               </a:ext>
             </a:extLst>
           </p:cNvPr>
@@ -1949,7 +1949,7 @@
           <a:bodyPr/>
           <a:lstStyle/>
           <a:p>
-            <a:fld id="{EF66C828-475B-48E1-9D7D-DFF1B6A3556E}" type="datetimeFigureOut">
+            <a:fld id="{FF51D02D-32E8-4F34-8B32-4560E18DEA5D}" type="datetimeFigureOut">
               <a:rPr lang="zh-CN" altLang="en-US" smtClean="0"/>
               <a:t>2024/3/10</a:t>
             </a:fld>
@@ -1962,7 +1962,7 @@
           <p:cNvPr id="4" name="页脚占位符 3">
             <a:extLst>
               <a:ext uri="{FF2B5EF4-FFF2-40B4-BE49-F238E27FC236}">
-                <a16:creationId xmlns:a16="http://schemas.microsoft.com/office/drawing/2014/main" id="{C6938335-CD28-8CC9-B393-EB13A22A731F}"/>
+                <a16:creationId xmlns:a16="http://schemas.microsoft.com/office/drawing/2014/main" id="{ED339620-F317-03D6-D234-6AB11EC01772}"/>
               </a:ext>
             </a:extLst>
           </p:cNvPr>
@@ -1987,7 +1987,7 @@
           <p:cNvPr id="5" name="灯片编号占位符 4">
             <a:extLst>
               <a:ext uri="{FF2B5EF4-FFF2-40B4-BE49-F238E27FC236}">
-                <a16:creationId xmlns:a16="http://schemas.microsoft.com/office/drawing/2014/main" id="{874A73C9-2B3C-B270-7086-B07FD732AFCA}"/>
+                <a16:creationId xmlns:a16="http://schemas.microsoft.com/office/drawing/2014/main" id="{28CDA463-25ED-41AB-42D5-B3DC2C39A577}"/>
               </a:ext>
             </a:extLst>
           </p:cNvPr>
@@ -2003,7 +2003,7 @@
           <a:bodyPr/>
           <a:lstStyle/>
           <a:p>
-            <a:fld id="{B1A12970-5664-4332-9371-46EA8D43CFCD}" type="slidenum">
+            <a:fld id="{6CC7996D-5A9A-49B4-8013-FD1239A739BF}" type="slidenum">
               <a:rPr lang="zh-CN" altLang="en-US" smtClean="0"/>
               <a:t>‹#›</a:t>
             </a:fld>
@@ -2014,7 +2014,7 @@
     </p:spTree>
     <p:extLst>
       <p:ext uri="{BB962C8B-B14F-4D97-AF65-F5344CB8AC3E}">
-        <p14:creationId xmlns:p14="http://schemas.microsoft.com/office/powerpoint/2010/main" val="1481041567"/>
+        <p14:creationId xmlns:p14="http://schemas.microsoft.com/office/powerpoint/2010/main" val="388723511"/>
       </p:ext>
     </p:extLst>
   </p:cSld>
@@ -2046,7 +2046,7 @@
           <p:cNvPr id="2" name="日期占位符 1">
             <a:extLst>
               <a:ext uri="{FF2B5EF4-FFF2-40B4-BE49-F238E27FC236}">
-                <a16:creationId xmlns:a16="http://schemas.microsoft.com/office/drawing/2014/main" id="{46258F8B-583F-546C-DD15-D7382AC3F894}"/>
+                <a16:creationId xmlns:a16="http://schemas.microsoft.com/office/drawing/2014/main" id="{BC9BE88B-C314-A1E2-A7F4-31555A4EA99A}"/>
               </a:ext>
             </a:extLst>
           </p:cNvPr>
@@ -2062,7 +2062,7 @@
           <a:bodyPr/>
           <a:lstStyle/>
           <a:p>
-            <a:fld id="{EF66C828-475B-48E1-9D7D-DFF1B6A3556E}" type="datetimeFigureOut">
+            <a:fld id="{FF51D02D-32E8-4F34-8B32-4560E18DEA5D}" type="datetimeFigureOut">
               <a:rPr lang="zh-CN" altLang="en-US" smtClean="0"/>
               <a:t>2024/3/10</a:t>
             </a:fld>
@@ -2075,7 +2075,7 @@
           <p:cNvPr id="3" name="页脚占位符 2">
             <a:extLst>
               <a:ext uri="{FF2B5EF4-FFF2-40B4-BE49-F238E27FC236}">
-                <a16:creationId xmlns:a16="http://schemas.microsoft.com/office/drawing/2014/main" id="{EC6E865B-6D50-41F4-B28A-EA31035F88BB}"/>
+                <a16:creationId xmlns:a16="http://schemas.microsoft.com/office/drawing/2014/main" id="{D688BE48-6610-4464-385C-C218299B7B01}"/>
               </a:ext>
             </a:extLst>
           </p:cNvPr>
@@ -2100,7 +2100,7 @@
           <p:cNvPr id="4" name="灯片编号占位符 3">
             <a:extLst>
               <a:ext uri="{FF2B5EF4-FFF2-40B4-BE49-F238E27FC236}">
-                <a16:creationId xmlns:a16="http://schemas.microsoft.com/office/drawing/2014/main" id="{A7F8FD6A-51EF-3F55-06CB-B72948CA36A5}"/>
+                <a16:creationId xmlns:a16="http://schemas.microsoft.com/office/drawing/2014/main" id="{32AA9374-3DD2-EF88-8300-DF8A0D1848C7}"/>
               </a:ext>
             </a:extLst>
           </p:cNvPr>
@@ -2116,7 +2116,7 @@
           <a:bodyPr/>
           <a:lstStyle/>
           <a:p>
-            <a:fld id="{B1A12970-5664-4332-9371-46EA8D43CFCD}" type="slidenum">
+            <a:fld id="{6CC7996D-5A9A-49B4-8013-FD1239A739BF}" type="slidenum">
               <a:rPr lang="zh-CN" altLang="en-US" smtClean="0"/>
               <a:t>‹#›</a:t>
             </a:fld>
@@ -2127,7 +2127,7 @@
     </p:spTree>
     <p:extLst>
       <p:ext uri="{BB962C8B-B14F-4D97-AF65-F5344CB8AC3E}">
-        <p14:creationId xmlns:p14="http://schemas.microsoft.com/office/powerpoint/2010/main" val="3320262756"/>
+        <p14:creationId xmlns:p14="http://schemas.microsoft.com/office/powerpoint/2010/main" val="1086807595"/>
       </p:ext>
     </p:extLst>
   </p:cSld>
@@ -2159,7 +2159,7 @@
           <p:cNvPr id="2" name="标题 1">
             <a:extLst>
               <a:ext uri="{FF2B5EF4-FFF2-40B4-BE49-F238E27FC236}">
-                <a16:creationId xmlns:a16="http://schemas.microsoft.com/office/drawing/2014/main" id="{33A93E3A-186B-1752-483F-8E696215F8FE}"/>
+                <a16:creationId xmlns:a16="http://schemas.microsoft.com/office/drawing/2014/main" id="{BFAA286F-1368-36D2-126D-5DA744A73F30}"/>
               </a:ext>
             </a:extLst>
           </p:cNvPr>
@@ -2196,7 +2196,7 @@
           <p:cNvPr id="3" name="内容占位符 2">
             <a:extLst>
               <a:ext uri="{FF2B5EF4-FFF2-40B4-BE49-F238E27FC236}">
-                <a16:creationId xmlns:a16="http://schemas.microsoft.com/office/drawing/2014/main" id="{CFC47B5C-DE86-D9E4-38F6-6BDBE81752AE}"/>
+                <a16:creationId xmlns:a16="http://schemas.microsoft.com/office/drawing/2014/main" id="{E3046A6C-9DD7-3C71-DC56-BC67A10355C0}"/>
               </a:ext>
             </a:extLst>
           </p:cNvPr>
@@ -2286,7 +2286,7 @@
           <p:cNvPr id="4" name="文本占位符 3">
             <a:extLst>
               <a:ext uri="{FF2B5EF4-FFF2-40B4-BE49-F238E27FC236}">
-                <a16:creationId xmlns:a16="http://schemas.microsoft.com/office/drawing/2014/main" id="{EB6E6FBE-B529-2B09-2DC4-8DAC35AE0820}"/>
+                <a16:creationId xmlns:a16="http://schemas.microsoft.com/office/drawing/2014/main" id="{D3B1293D-260A-DCA4-DB37-8BC3256547F0}"/>
               </a:ext>
             </a:extLst>
           </p:cNvPr>
@@ -2357,7 +2357,7 @@
           <p:cNvPr id="5" name="日期占位符 4">
             <a:extLst>
               <a:ext uri="{FF2B5EF4-FFF2-40B4-BE49-F238E27FC236}">
-                <a16:creationId xmlns:a16="http://schemas.microsoft.com/office/drawing/2014/main" id="{E9E86095-4C56-D116-068F-F5CF337109B0}"/>
+                <a16:creationId xmlns:a16="http://schemas.microsoft.com/office/drawing/2014/main" id="{3AE49A65-5154-CC9A-DF38-9671F31A1426}"/>
               </a:ext>
             </a:extLst>
           </p:cNvPr>
@@ -2373,7 +2373,7 @@
           <a:bodyPr/>
           <a:lstStyle/>
           <a:p>
-            <a:fld id="{EF66C828-475B-48E1-9D7D-DFF1B6A3556E}" type="datetimeFigureOut">
+            <a:fld id="{FF51D02D-32E8-4F34-8B32-4560E18DEA5D}" type="datetimeFigureOut">
               <a:rPr lang="zh-CN" altLang="en-US" smtClean="0"/>
               <a:t>2024/3/10</a:t>
             </a:fld>
@@ -2386,7 +2386,7 @@
           <p:cNvPr id="6" name="页脚占位符 5">
             <a:extLst>
               <a:ext uri="{FF2B5EF4-FFF2-40B4-BE49-F238E27FC236}">
-                <a16:creationId xmlns:a16="http://schemas.microsoft.com/office/drawing/2014/main" id="{59B04512-75D6-0A99-2A22-737961C382BC}"/>
+                <a16:creationId xmlns:a16="http://schemas.microsoft.com/office/drawing/2014/main" id="{1C1E7F9E-CFB5-6B36-4701-C9E450933849}"/>
               </a:ext>
             </a:extLst>
           </p:cNvPr>
@@ -2411,7 +2411,7 @@
           <p:cNvPr id="7" name="灯片编号占位符 6">
             <a:extLst>
               <a:ext uri="{FF2B5EF4-FFF2-40B4-BE49-F238E27FC236}">
-                <a16:creationId xmlns:a16="http://schemas.microsoft.com/office/drawing/2014/main" id="{40D68722-4A9D-1664-03E2-B4489D806684}"/>
+                <a16:creationId xmlns:a16="http://schemas.microsoft.com/office/drawing/2014/main" id="{6ABCB261-4CB0-7DAC-39CA-869EFB11D9CB}"/>
               </a:ext>
             </a:extLst>
           </p:cNvPr>
@@ -2427,7 +2427,7 @@
           <a:bodyPr/>
           <a:lstStyle/>
           <a:p>
-            <a:fld id="{B1A12970-5664-4332-9371-46EA8D43CFCD}" type="slidenum">
+            <a:fld id="{6CC7996D-5A9A-49B4-8013-FD1239A739BF}" type="slidenum">
               <a:rPr lang="zh-CN" altLang="en-US" smtClean="0"/>
               <a:t>‹#›</a:t>
             </a:fld>
@@ -2438,7 +2438,7 @@
     </p:spTree>
     <p:extLst>
       <p:ext uri="{BB962C8B-B14F-4D97-AF65-F5344CB8AC3E}">
-        <p14:creationId xmlns:p14="http://schemas.microsoft.com/office/powerpoint/2010/main" val="1922341568"/>
+        <p14:creationId xmlns:p14="http://schemas.microsoft.com/office/powerpoint/2010/main" val="898028424"/>
       </p:ext>
     </p:extLst>
   </p:cSld>
@@ -2470,7 +2470,7 @@
           <p:cNvPr id="2" name="标题 1">
             <a:extLst>
               <a:ext uri="{FF2B5EF4-FFF2-40B4-BE49-F238E27FC236}">
-                <a16:creationId xmlns:a16="http://schemas.microsoft.com/office/drawing/2014/main" id="{C494DF87-DA2B-F2CF-39BA-8B1C7AB4A1C0}"/>
+                <a16:creationId xmlns:a16="http://schemas.microsoft.com/office/drawing/2014/main" id="{52BD803F-BA26-DD1F-473A-52E867CB800C}"/>
               </a:ext>
             </a:extLst>
           </p:cNvPr>
@@ -2507,7 +2507,7 @@
           <p:cNvPr id="3" name="图片占位符 2">
             <a:extLst>
               <a:ext uri="{FF2B5EF4-FFF2-40B4-BE49-F238E27FC236}">
-                <a16:creationId xmlns:a16="http://schemas.microsoft.com/office/drawing/2014/main" id="{DD2A5245-76E3-CDDA-2768-36CCD3D4B81E}"/>
+                <a16:creationId xmlns:a16="http://schemas.microsoft.com/office/drawing/2014/main" id="{9BD9B713-7548-D3F2-D104-AE4EBCF51713}"/>
               </a:ext>
             </a:extLst>
           </p:cNvPr>
@@ -2574,7 +2574,7 @@
           <p:cNvPr id="4" name="文本占位符 3">
             <a:extLst>
               <a:ext uri="{FF2B5EF4-FFF2-40B4-BE49-F238E27FC236}">
-                <a16:creationId xmlns:a16="http://schemas.microsoft.com/office/drawing/2014/main" id="{4DD206DC-5E3F-B79C-CB23-D23CFF94F7ED}"/>
+                <a16:creationId xmlns:a16="http://schemas.microsoft.com/office/drawing/2014/main" id="{70856091-9198-DF52-DA1A-201D6ED5A7D0}"/>
               </a:ext>
             </a:extLst>
           </p:cNvPr>
@@ -2645,7 +2645,7 @@
           <p:cNvPr id="5" name="日期占位符 4">
             <a:extLst>
               <a:ext uri="{FF2B5EF4-FFF2-40B4-BE49-F238E27FC236}">
-                <a16:creationId xmlns:a16="http://schemas.microsoft.com/office/drawing/2014/main" id="{2762560F-B720-CBDD-800A-9DC570FD78BC}"/>
+                <a16:creationId xmlns:a16="http://schemas.microsoft.com/office/drawing/2014/main" id="{5ED9DABC-5F2B-AB80-0619-D1D1E319FAEA}"/>
               </a:ext>
             </a:extLst>
           </p:cNvPr>
@@ -2661,7 +2661,7 @@
           <a:bodyPr/>
           <a:lstStyle/>
           <a:p>
-            <a:fld id="{EF66C828-475B-48E1-9D7D-DFF1B6A3556E}" type="datetimeFigureOut">
+            <a:fld id="{FF51D02D-32E8-4F34-8B32-4560E18DEA5D}" type="datetimeFigureOut">
               <a:rPr lang="zh-CN" altLang="en-US" smtClean="0"/>
               <a:t>2024/3/10</a:t>
             </a:fld>
@@ -2674,7 +2674,7 @@
           <p:cNvPr id="6" name="页脚占位符 5">
             <a:extLst>
               <a:ext uri="{FF2B5EF4-FFF2-40B4-BE49-F238E27FC236}">
-                <a16:creationId xmlns:a16="http://schemas.microsoft.com/office/drawing/2014/main" id="{52AD6B5A-8CB2-2F2B-87F3-B2037E06D737}"/>
+                <a16:creationId xmlns:a16="http://schemas.microsoft.com/office/drawing/2014/main" id="{ADFEA424-166A-EA39-F6C5-05F499E43F49}"/>
               </a:ext>
             </a:extLst>
           </p:cNvPr>
@@ -2699,7 +2699,7 @@
           <p:cNvPr id="7" name="灯片编号占位符 6">
             <a:extLst>
               <a:ext uri="{FF2B5EF4-FFF2-40B4-BE49-F238E27FC236}">
-                <a16:creationId xmlns:a16="http://schemas.microsoft.com/office/drawing/2014/main" id="{9FADF3DD-B364-7DD4-DCA2-EA34C9D422AA}"/>
+                <a16:creationId xmlns:a16="http://schemas.microsoft.com/office/drawing/2014/main" id="{AFD317D3-46A3-C393-3D71-924544FAFE9B}"/>
               </a:ext>
             </a:extLst>
           </p:cNvPr>
@@ -2715,7 +2715,7 @@
           <a:bodyPr/>
           <a:lstStyle/>
           <a:p>
-            <a:fld id="{B1A12970-5664-4332-9371-46EA8D43CFCD}" type="slidenum">
+            <a:fld id="{6CC7996D-5A9A-49B4-8013-FD1239A739BF}" type="slidenum">
               <a:rPr lang="zh-CN" altLang="en-US" smtClean="0"/>
               <a:t>‹#›</a:t>
             </a:fld>
@@ -2726,7 +2726,7 @@
     </p:spTree>
     <p:extLst>
       <p:ext uri="{BB962C8B-B14F-4D97-AF65-F5344CB8AC3E}">
-        <p14:creationId xmlns:p14="http://schemas.microsoft.com/office/powerpoint/2010/main" val="2698142090"/>
+        <p14:creationId xmlns:p14="http://schemas.microsoft.com/office/powerpoint/2010/main" val="3598967590"/>
       </p:ext>
     </p:extLst>
   </p:cSld>
@@ -2763,7 +2763,7 @@
           <p:cNvPr id="2" name="标题占位符 1">
             <a:extLst>
               <a:ext uri="{FF2B5EF4-FFF2-40B4-BE49-F238E27FC236}">
-                <a16:creationId xmlns:a16="http://schemas.microsoft.com/office/drawing/2014/main" id="{57AB072B-9857-890C-23E9-6B355368A8CC}"/>
+                <a16:creationId xmlns:a16="http://schemas.microsoft.com/office/drawing/2014/main" id="{ACD23760-8270-F2B6-9795-14F88672ABE3}"/>
               </a:ext>
             </a:extLst>
           </p:cNvPr>
@@ -2801,7 +2801,7 @@
           <p:cNvPr id="3" name="文本占位符 2">
             <a:extLst>
               <a:ext uri="{FF2B5EF4-FFF2-40B4-BE49-F238E27FC236}">
-                <a16:creationId xmlns:a16="http://schemas.microsoft.com/office/drawing/2014/main" id="{AAFC764C-78B2-0A0D-2283-02ACD56F617A}"/>
+                <a16:creationId xmlns:a16="http://schemas.microsoft.com/office/drawing/2014/main" id="{CF5DD169-6C58-B4DD-427E-F514740D3AB1}"/>
               </a:ext>
             </a:extLst>
           </p:cNvPr>
@@ -2868,7 +2868,7 @@
           <p:cNvPr id="4" name="日期占位符 3">
             <a:extLst>
               <a:ext uri="{FF2B5EF4-FFF2-40B4-BE49-F238E27FC236}">
-                <a16:creationId xmlns:a16="http://schemas.microsoft.com/office/drawing/2014/main" id="{5F085715-96E4-77C4-7A62-CDA067A81579}"/>
+                <a16:creationId xmlns:a16="http://schemas.microsoft.com/office/drawing/2014/main" id="{034DEE0D-05AA-AE34-682C-615CC12AC596}"/>
               </a:ext>
             </a:extLst>
           </p:cNvPr>
@@ -2902,7 +2902,7 @@
             </a:lvl1pPr>
           </a:lstStyle>
           <a:p>
-            <a:fld id="{EF66C828-475B-48E1-9D7D-DFF1B6A3556E}" type="datetimeFigureOut">
+            <a:fld id="{FF51D02D-32E8-4F34-8B32-4560E18DEA5D}" type="datetimeFigureOut">
               <a:rPr lang="zh-CN" altLang="en-US" smtClean="0"/>
               <a:t>2024/3/10</a:t>
             </a:fld>
@@ -2915,7 +2915,7 @@
           <p:cNvPr id="5" name="页脚占位符 4">
             <a:extLst>
               <a:ext uri="{FF2B5EF4-FFF2-40B4-BE49-F238E27FC236}">
-                <a16:creationId xmlns:a16="http://schemas.microsoft.com/office/drawing/2014/main" id="{2D521B03-D645-D731-543E-78FC82C896F5}"/>
+                <a16:creationId xmlns:a16="http://schemas.microsoft.com/office/drawing/2014/main" id="{C7E9F37F-3573-DCD2-FAAB-5EE9D3054D3D}"/>
               </a:ext>
             </a:extLst>
           </p:cNvPr>
@@ -2958,7 +2958,7 @@
           <p:cNvPr id="6" name="灯片编号占位符 5">
             <a:extLst>
               <a:ext uri="{FF2B5EF4-FFF2-40B4-BE49-F238E27FC236}">
-                <a16:creationId xmlns:a16="http://schemas.microsoft.com/office/drawing/2014/main" id="{599B22A1-6C39-EB7A-A86C-AB6148FC934A}"/>
+                <a16:creationId xmlns:a16="http://schemas.microsoft.com/office/drawing/2014/main" id="{D72FFF23-89DB-D99F-4248-479775BB4F18}"/>
               </a:ext>
             </a:extLst>
           </p:cNvPr>
@@ -2992,7 +2992,7 @@
             </a:lvl1pPr>
           </a:lstStyle>
           <a:p>
-            <a:fld id="{B1A12970-5664-4332-9371-46EA8D43CFCD}" type="slidenum">
+            <a:fld id="{6CC7996D-5A9A-49B4-8013-FD1239A739BF}" type="slidenum">
               <a:rPr lang="zh-CN" altLang="en-US" smtClean="0"/>
               <a:t>‹#›</a:t>
             </a:fld>
@@ -3003,7 +3003,7 @@
     </p:spTree>
     <p:extLst>
       <p:ext uri="{BB962C8B-B14F-4D97-AF65-F5344CB8AC3E}">
-        <p14:creationId xmlns:p14="http://schemas.microsoft.com/office/powerpoint/2010/main" val="2506555284"/>
+        <p14:creationId xmlns:p14="http://schemas.microsoft.com/office/powerpoint/2010/main" val="1093783055"/>
       </p:ext>
     </p:extLst>
   </p:cSld>
@@ -3323,7 +3323,7 @@
       </p:grpSpPr>
       <p:pic>
         <p:nvPicPr>
-          <p:cNvPr id="581634" name="Picture 2" descr="567"/>
+          <p:cNvPr id="582658" name="Picture 2" descr="568"/>
           <p:cNvPicPr>
             <a:picLocks noChangeAspect="1" noChangeArrowheads="1"/>
           </p:cNvPicPr>
